--- a/Car Accident Presentation.pptx
+++ b/Car Accident Presentation.pptx
@@ -9,8 +9,8 @@
   </p:notesMasterIdLst>
   <p:sldIdLst>
     <p:sldId id="256" r:id="rId2"/>
-    <p:sldId id="257" r:id="rId3"/>
-    <p:sldId id="258" r:id="rId4"/>
+    <p:sldId id="258" r:id="rId3"/>
+    <p:sldId id="257" r:id="rId4"/>
     <p:sldId id="259" r:id="rId5"/>
     <p:sldId id="260" r:id="rId6"/>
     <p:sldId id="261" r:id="rId7"/>
@@ -661,7 +661,7 @@
     </p:spTree>
     <p:extLst>
       <p:ext uri="{BB962C8B-B14F-4D97-AF65-F5344CB8AC3E}">
-        <p14:creationId xmlns:p14="http://schemas.microsoft.com/office/powerpoint/2010/main" val="2246904777"/>
+        <p14:creationId xmlns:p14="http://schemas.microsoft.com/office/powerpoint/2010/main" val="2649255878"/>
       </p:ext>
     </p:extLst>
   </p:cSld>
@@ -748,7 +748,7 @@
     </p:spTree>
     <p:extLst>
       <p:ext uri="{BB962C8B-B14F-4D97-AF65-F5344CB8AC3E}">
-        <p14:creationId xmlns:p14="http://schemas.microsoft.com/office/powerpoint/2010/main" val="2649255878"/>
+        <p14:creationId xmlns:p14="http://schemas.microsoft.com/office/powerpoint/2010/main" val="2246904777"/>
       </p:ext>
     </p:extLst>
   </p:cSld>
@@ -7104,7 +7104,7 @@
         <p:spPr>
           <a:xfrm>
             <a:off x="677334" y="609600"/>
-            <a:ext cx="8596668" cy="673916"/>
+            <a:ext cx="8596668" cy="699083"/>
           </a:xfrm>
         </p:spPr>
         <p:txBody>
@@ -7113,42 +7113,7 @@
           <a:p>
             <a:r>
               <a:rPr lang="en-US" dirty="0"/>
-              <a:t>The Data About The Data</a:t>
-            </a:r>
-          </a:p>
-        </p:txBody>
-      </p:sp>
-      <p:sp>
-        <p:nvSpPr>
-          <p:cNvPr id="3" name="Content Placeholder 2">
-            <a:extLst>
-              <a:ext uri="{FF2B5EF4-FFF2-40B4-BE49-F238E27FC236}">
-                <a16:creationId xmlns:a16="http://schemas.microsoft.com/office/drawing/2014/main" id="{286104B3-B399-4E65-A891-DCAF632C8576}"/>
-              </a:ext>
-            </a:extLst>
-          </p:cNvPr>
-          <p:cNvSpPr>
-            <a:spLocks noGrp="1"/>
-          </p:cNvSpPr>
-          <p:nvPr>
-            <p:ph idx="1"/>
-          </p:nvPr>
-        </p:nvSpPr>
-        <p:spPr>
-          <a:xfrm>
-            <a:off x="510186" y="6495985"/>
-            <a:ext cx="8596668" cy="362015"/>
-          </a:xfrm>
-        </p:spPr>
-        <p:txBody>
-          <a:bodyPr>
-            <a:normAutofit/>
-          </a:bodyPr>
-          <a:lstStyle/>
-          <a:p>
-            <a:r>
-              <a:rPr lang="en-US" sz="1100" dirty="0"/>
-              <a:t>Source: https://www.kaggle.com/sobhanmoosavi/us-accidents</a:t>
+              <a:t>Why This Data?</a:t>
             </a:r>
           </a:p>
         </p:txBody>
@@ -7169,8 +7134,8 @@
         </p:nvSpPr>
         <p:spPr>
           <a:xfrm>
-            <a:off x="677334" y="1941120"/>
-            <a:ext cx="8596668" cy="2882550"/>
+            <a:off x="677334" y="2528349"/>
+            <a:ext cx="8596668" cy="2035262"/>
           </a:xfrm>
           <a:prstGeom prst="rect">
             <a:avLst/>
@@ -7178,7 +7143,7 @@
         </p:spPr>
         <p:txBody>
           <a:bodyPr vert="horz" lIns="91440" tIns="45720" rIns="91440" bIns="45720" rtlCol="0">
-            <a:normAutofit fontScale="92500" lnSpcReduction="20000"/>
+            <a:normAutofit/>
           </a:bodyPr>
           <a:lstStyle>
             <a:lvl1pPr marL="342900" indent="-342900" algn="l" defTabSz="457200" rtl="0" eaLnBrk="1" latinLnBrk="0" hangingPunct="1">
@@ -7408,14 +7373,320 @@
             </a:lvl9pPr>
           </a:lstStyle>
           <a:p>
+            <a:pPr marL="0" indent="0">
+              <a:buNone/>
+            </a:pPr>
+            <a:endParaRPr lang="en-US" dirty="0"/>
+          </a:p>
+        </p:txBody>
+      </p:sp>
+      <p:sp>
+        <p:nvSpPr>
+          <p:cNvPr id="6" name="Content Placeholder 2">
+            <a:extLst>
+              <a:ext uri="{FF2B5EF4-FFF2-40B4-BE49-F238E27FC236}">
+                <a16:creationId xmlns:a16="http://schemas.microsoft.com/office/drawing/2014/main" id="{C8B8B983-6123-44AC-BFBE-54ED44E39B6B}"/>
+              </a:ext>
+            </a:extLst>
+          </p:cNvPr>
+          <p:cNvSpPr txBox="1">
+            <a:spLocks/>
+          </p:cNvSpPr>
+          <p:nvPr/>
+        </p:nvSpPr>
+        <p:spPr>
+          <a:xfrm>
+            <a:off x="677334" y="1941119"/>
+            <a:ext cx="8961616" cy="3594441"/>
+          </a:xfrm>
+          <a:prstGeom prst="rect">
+            <a:avLst/>
+          </a:prstGeom>
+        </p:spPr>
+        <p:txBody>
+          <a:bodyPr vert="horz" lIns="91440" tIns="45720" rIns="91440" bIns="45720" rtlCol="0">
+            <a:normAutofit/>
+          </a:bodyPr>
+          <a:lstStyle>
+            <a:lvl1pPr marL="342900" indent="-342900" algn="l" defTabSz="457200" rtl="0" eaLnBrk="1" latinLnBrk="0" hangingPunct="1">
+              <a:spcBef>
+                <a:spcPts val="1000"/>
+              </a:spcBef>
+              <a:spcAft>
+                <a:spcPts val="0"/>
+              </a:spcAft>
+              <a:buClr>
+                <a:schemeClr val="accent1"/>
+              </a:buClr>
+              <a:buSzPct val="80000"/>
+              <a:buFont typeface="Wingdings 3" charset="2"/>
+              <a:buChar char=""/>
+              <a:defRPr sz="1800" kern="1200">
+                <a:solidFill>
+                  <a:schemeClr val="tx1">
+                    <a:lumMod val="75000"/>
+                    <a:lumOff val="25000"/>
+                  </a:schemeClr>
+                </a:solidFill>
+                <a:latin typeface="+mn-lt"/>
+                <a:ea typeface="+mn-ea"/>
+                <a:cs typeface="+mn-cs"/>
+              </a:defRPr>
+            </a:lvl1pPr>
+            <a:lvl2pPr marL="742950" indent="-285750" algn="l" defTabSz="457200" rtl="0" eaLnBrk="1" latinLnBrk="0" hangingPunct="1">
+              <a:spcBef>
+                <a:spcPts val="1000"/>
+              </a:spcBef>
+              <a:spcAft>
+                <a:spcPts val="0"/>
+              </a:spcAft>
+              <a:buClr>
+                <a:schemeClr val="accent1"/>
+              </a:buClr>
+              <a:buSzPct val="80000"/>
+              <a:buFont typeface="Wingdings 3" charset="2"/>
+              <a:buChar char=""/>
+              <a:defRPr sz="1600" kern="1200">
+                <a:solidFill>
+                  <a:schemeClr val="tx1">
+                    <a:lumMod val="75000"/>
+                    <a:lumOff val="25000"/>
+                  </a:schemeClr>
+                </a:solidFill>
+                <a:latin typeface="+mn-lt"/>
+                <a:ea typeface="+mn-ea"/>
+                <a:cs typeface="+mn-cs"/>
+              </a:defRPr>
+            </a:lvl2pPr>
+            <a:lvl3pPr marL="1143000" indent="-228600" algn="l" defTabSz="457200" rtl="0" eaLnBrk="1" latinLnBrk="0" hangingPunct="1">
+              <a:spcBef>
+                <a:spcPts val="1000"/>
+              </a:spcBef>
+              <a:spcAft>
+                <a:spcPts val="0"/>
+              </a:spcAft>
+              <a:buClr>
+                <a:schemeClr val="accent1"/>
+              </a:buClr>
+              <a:buSzPct val="80000"/>
+              <a:buFont typeface="Wingdings 3" charset="2"/>
+              <a:buChar char=""/>
+              <a:defRPr sz="1400" kern="1200">
+                <a:solidFill>
+                  <a:schemeClr val="tx1">
+                    <a:lumMod val="75000"/>
+                    <a:lumOff val="25000"/>
+                  </a:schemeClr>
+                </a:solidFill>
+                <a:latin typeface="+mn-lt"/>
+                <a:ea typeface="+mn-ea"/>
+                <a:cs typeface="+mn-cs"/>
+              </a:defRPr>
+            </a:lvl3pPr>
+            <a:lvl4pPr marL="1600200" indent="-228600" algn="l" defTabSz="457200" rtl="0" eaLnBrk="1" latinLnBrk="0" hangingPunct="1">
+              <a:spcBef>
+                <a:spcPts val="1000"/>
+              </a:spcBef>
+              <a:spcAft>
+                <a:spcPts val="0"/>
+              </a:spcAft>
+              <a:buClr>
+                <a:schemeClr val="accent1"/>
+              </a:buClr>
+              <a:buSzPct val="80000"/>
+              <a:buFont typeface="Wingdings 3" charset="2"/>
+              <a:buChar char=""/>
+              <a:defRPr sz="1200" kern="1200">
+                <a:solidFill>
+                  <a:schemeClr val="tx1">
+                    <a:lumMod val="75000"/>
+                    <a:lumOff val="25000"/>
+                  </a:schemeClr>
+                </a:solidFill>
+                <a:latin typeface="+mn-lt"/>
+                <a:ea typeface="+mn-ea"/>
+                <a:cs typeface="+mn-cs"/>
+              </a:defRPr>
+            </a:lvl4pPr>
+            <a:lvl5pPr marL="2057400" indent="-228600" algn="l" defTabSz="457200" rtl="0" eaLnBrk="1" latinLnBrk="0" hangingPunct="1">
+              <a:spcBef>
+                <a:spcPts val="1000"/>
+              </a:spcBef>
+              <a:spcAft>
+                <a:spcPts val="0"/>
+              </a:spcAft>
+              <a:buClr>
+                <a:schemeClr val="accent1"/>
+              </a:buClr>
+              <a:buSzPct val="80000"/>
+              <a:buFont typeface="Wingdings 3" charset="2"/>
+              <a:buChar char=""/>
+              <a:defRPr sz="1200" kern="1200">
+                <a:solidFill>
+                  <a:schemeClr val="tx1">
+                    <a:lumMod val="75000"/>
+                    <a:lumOff val="25000"/>
+                  </a:schemeClr>
+                </a:solidFill>
+                <a:latin typeface="+mn-lt"/>
+                <a:ea typeface="+mn-ea"/>
+                <a:cs typeface="+mn-cs"/>
+              </a:defRPr>
+            </a:lvl5pPr>
+            <a:lvl6pPr marL="2514600" indent="-228600" algn="l" defTabSz="457200" rtl="0" eaLnBrk="1" latinLnBrk="0" hangingPunct="1">
+              <a:spcBef>
+                <a:spcPts val="1000"/>
+              </a:spcBef>
+              <a:spcAft>
+                <a:spcPts val="0"/>
+              </a:spcAft>
+              <a:buClr>
+                <a:schemeClr val="accent1"/>
+              </a:buClr>
+              <a:buSzPct val="80000"/>
+              <a:buFont typeface="Wingdings 3" charset="2"/>
+              <a:buChar char=""/>
+              <a:defRPr sz="1200" kern="1200">
+                <a:solidFill>
+                  <a:schemeClr val="tx1">
+                    <a:lumMod val="75000"/>
+                    <a:lumOff val="25000"/>
+                  </a:schemeClr>
+                </a:solidFill>
+                <a:latin typeface="+mn-lt"/>
+                <a:ea typeface="+mn-ea"/>
+                <a:cs typeface="+mn-cs"/>
+              </a:defRPr>
+            </a:lvl6pPr>
+            <a:lvl7pPr marL="2971800" indent="-228600" algn="l" defTabSz="457200" rtl="0" eaLnBrk="1" latinLnBrk="0" hangingPunct="1">
+              <a:spcBef>
+                <a:spcPts val="1000"/>
+              </a:spcBef>
+              <a:spcAft>
+                <a:spcPts val="0"/>
+              </a:spcAft>
+              <a:buClr>
+                <a:schemeClr val="accent1"/>
+              </a:buClr>
+              <a:buSzPct val="80000"/>
+              <a:buFont typeface="Wingdings 3" charset="2"/>
+              <a:buChar char=""/>
+              <a:defRPr sz="1200" kern="1200">
+                <a:solidFill>
+                  <a:schemeClr val="tx1">
+                    <a:lumMod val="75000"/>
+                    <a:lumOff val="25000"/>
+                  </a:schemeClr>
+                </a:solidFill>
+                <a:latin typeface="+mn-lt"/>
+                <a:ea typeface="+mn-ea"/>
+                <a:cs typeface="+mn-cs"/>
+              </a:defRPr>
+            </a:lvl7pPr>
+            <a:lvl8pPr marL="3429000" indent="-228600" algn="l" defTabSz="457200" rtl="0" eaLnBrk="1" latinLnBrk="0" hangingPunct="1">
+              <a:spcBef>
+                <a:spcPts val="1000"/>
+              </a:spcBef>
+              <a:spcAft>
+                <a:spcPts val="0"/>
+              </a:spcAft>
+              <a:buClr>
+                <a:schemeClr val="accent1"/>
+              </a:buClr>
+              <a:buSzPct val="80000"/>
+              <a:buFont typeface="Wingdings 3" charset="2"/>
+              <a:buChar char=""/>
+              <a:defRPr sz="1200" kern="1200">
+                <a:solidFill>
+                  <a:schemeClr val="tx1">
+                    <a:lumMod val="75000"/>
+                    <a:lumOff val="25000"/>
+                  </a:schemeClr>
+                </a:solidFill>
+                <a:latin typeface="+mn-lt"/>
+                <a:ea typeface="+mn-ea"/>
+                <a:cs typeface="+mn-cs"/>
+              </a:defRPr>
+            </a:lvl8pPr>
+            <a:lvl9pPr marL="3886200" indent="-228600" algn="l" defTabSz="457200" rtl="0" eaLnBrk="1" latinLnBrk="0" hangingPunct="1">
+              <a:spcBef>
+                <a:spcPts val="1000"/>
+              </a:spcBef>
+              <a:spcAft>
+                <a:spcPts val="0"/>
+              </a:spcAft>
+              <a:buClr>
+                <a:schemeClr val="accent1"/>
+              </a:buClr>
+              <a:buSzPct val="80000"/>
+              <a:buFont typeface="Wingdings 3" charset="2"/>
+              <a:buChar char=""/>
+              <a:defRPr sz="1200" kern="1200">
+                <a:solidFill>
+                  <a:schemeClr val="tx1">
+                    <a:lumMod val="75000"/>
+                    <a:lumOff val="25000"/>
+                  </a:schemeClr>
+                </a:solidFill>
+                <a:latin typeface="+mn-lt"/>
+                <a:ea typeface="+mn-ea"/>
+                <a:cs typeface="+mn-cs"/>
+              </a:defRPr>
+            </a:lvl9pPr>
+          </a:lstStyle>
+          <a:p>
             <a:pPr>
               <a:lnSpc>
                 <a:spcPct val="200000"/>
               </a:lnSpc>
             </a:pPr>
             <a:r>
-              <a:rPr lang="en-US" dirty="0"/>
-              <a:t>Car Accident Data From 48 States</a:t>
+              <a:rPr lang="en-US" sz="1100" dirty="0"/>
+              <a:t>Understanding why car accidents happen is important</a:t>
+            </a:r>
+          </a:p>
+          <a:p>
+            <a:pPr lvl="1">
+              <a:lnSpc>
+                <a:spcPct val="200000"/>
+              </a:lnSpc>
+            </a:pPr>
+            <a:r>
+              <a:rPr lang="en-US" sz="1100" dirty="0"/>
+              <a:t>Questions to consider:</a:t>
+            </a:r>
+          </a:p>
+          <a:p>
+            <a:pPr lvl="2">
+              <a:lnSpc>
+                <a:spcPct val="200000"/>
+              </a:lnSpc>
+            </a:pPr>
+            <a:r>
+              <a:rPr lang="en-US" sz="1100" dirty="0"/>
+              <a:t>Which places seem to be most dangerous based on severity score?</a:t>
+            </a:r>
+          </a:p>
+          <a:p>
+            <a:pPr lvl="2">
+              <a:lnSpc>
+                <a:spcPct val="200000"/>
+              </a:lnSpc>
+            </a:pPr>
+            <a:r>
+              <a:rPr lang="en-US" sz="1100" dirty="0"/>
+              <a:t>Was there any change between 2019 and 2020 in terms of which divisions seem to be most dangerous?</a:t>
+            </a:r>
+          </a:p>
+          <a:p>
+            <a:pPr lvl="2">
+              <a:lnSpc>
+                <a:spcPct val="200000"/>
+              </a:lnSpc>
+            </a:pPr>
+            <a:r>
+              <a:rPr lang="en-US" sz="1100" dirty="0"/>
+              <a:t>Are there relationships between weather and severity?</a:t>
             </a:r>
           </a:p>
           <a:p>
@@ -7425,41 +7696,8 @@
               </a:lnSpc>
             </a:pPr>
             <a:r>
-              <a:rPr lang="en-US" dirty="0"/>
-              <a:t>Data Fed From Two Sources Using APIs</a:t>
-            </a:r>
-          </a:p>
-          <a:p>
-            <a:pPr>
-              <a:lnSpc>
-                <a:spcPct val="200000"/>
-              </a:lnSpc>
-            </a:pPr>
-            <a:r>
-              <a:rPr lang="en-US" dirty="0"/>
-              <a:t>Timeframe: February 2016 to December 2020</a:t>
-            </a:r>
-          </a:p>
-          <a:p>
-            <a:pPr>
-              <a:lnSpc>
-                <a:spcPct val="200000"/>
-              </a:lnSpc>
-            </a:pPr>
-            <a:r>
-              <a:rPr lang="en-US" dirty="0"/>
-              <a:t>Lines Of Data: 4.1 Million</a:t>
-            </a:r>
-          </a:p>
-          <a:p>
-            <a:pPr>
-              <a:lnSpc>
-                <a:spcPct val="200000"/>
-              </a:lnSpc>
-            </a:pPr>
-            <a:r>
-              <a:rPr lang="en-US" dirty="0"/>
-              <a:t>File Size: 1.5GB</a:t>
+              <a:rPr lang="en-US" sz="1100" dirty="0"/>
+              <a:t>Numerous applications to impact society in a positive manner</a:t>
             </a:r>
           </a:p>
         </p:txBody>
@@ -7467,7 +7705,7 @@
     </p:spTree>
     <p:extLst>
       <p:ext uri="{BB962C8B-B14F-4D97-AF65-F5344CB8AC3E}">
-        <p14:creationId xmlns:p14="http://schemas.microsoft.com/office/powerpoint/2010/main" val="1564470390"/>
+        <p14:creationId xmlns:p14="http://schemas.microsoft.com/office/powerpoint/2010/main" val="1383876425"/>
       </p:ext>
     </p:extLst>
   </p:cSld>
@@ -7513,7 +7751,7 @@
         <p:spPr>
           <a:xfrm>
             <a:off x="677334" y="609600"/>
-            <a:ext cx="8596668" cy="699083"/>
+            <a:ext cx="8596668" cy="673916"/>
           </a:xfrm>
         </p:spPr>
         <p:txBody>
@@ -7522,7 +7760,42 @@
           <a:p>
             <a:r>
               <a:rPr lang="en-US" dirty="0"/>
-              <a:t>Why This Data?</a:t>
+              <a:t>The Data About The Data</a:t>
+            </a:r>
+          </a:p>
+        </p:txBody>
+      </p:sp>
+      <p:sp>
+        <p:nvSpPr>
+          <p:cNvPr id="3" name="Content Placeholder 2">
+            <a:extLst>
+              <a:ext uri="{FF2B5EF4-FFF2-40B4-BE49-F238E27FC236}">
+                <a16:creationId xmlns:a16="http://schemas.microsoft.com/office/drawing/2014/main" id="{286104B3-B399-4E65-A891-DCAF632C8576}"/>
+              </a:ext>
+            </a:extLst>
+          </p:cNvPr>
+          <p:cNvSpPr>
+            <a:spLocks noGrp="1"/>
+          </p:cNvSpPr>
+          <p:nvPr>
+            <p:ph idx="1"/>
+          </p:nvPr>
+        </p:nvSpPr>
+        <p:spPr>
+          <a:xfrm>
+            <a:off x="510186" y="6495985"/>
+            <a:ext cx="8596668" cy="362015"/>
+          </a:xfrm>
+        </p:spPr>
+        <p:txBody>
+          <a:bodyPr>
+            <a:normAutofit/>
+          </a:bodyPr>
+          <a:lstStyle/>
+          <a:p>
+            <a:r>
+              <a:rPr lang="en-US" sz="1100" dirty="0"/>
+              <a:t>Source: https://www.kaggle.com/sobhanmoosavi/us-accidents</a:t>
             </a:r>
           </a:p>
         </p:txBody>
@@ -7543,8 +7816,8 @@
         </p:nvSpPr>
         <p:spPr>
           <a:xfrm>
-            <a:off x="677334" y="2528349"/>
-            <a:ext cx="8596668" cy="2035262"/>
+            <a:off x="677334" y="1421682"/>
+            <a:ext cx="8596668" cy="2139267"/>
           </a:xfrm>
           <a:prstGeom prst="rect">
             <a:avLst/>
@@ -7552,7 +7825,7 @@
         </p:spPr>
         <p:txBody>
           <a:bodyPr vert="horz" lIns="91440" tIns="45720" rIns="91440" bIns="45720" rtlCol="0">
-            <a:normAutofit/>
+            <a:noAutofit/>
           </a:bodyPr>
           <a:lstStyle>
             <a:lvl1pPr marL="342900" indent="-342900" algn="l" defTabSz="457200" rtl="0" eaLnBrk="1" latinLnBrk="0" hangingPunct="1">
@@ -7782,10 +8055,59 @@
             </a:lvl9pPr>
           </a:lstStyle>
           <a:p>
-            <a:pPr marL="0" indent="0">
-              <a:buNone/>
+            <a:pPr>
+              <a:lnSpc>
+                <a:spcPct val="200000"/>
+              </a:lnSpc>
             </a:pPr>
-            <a:endParaRPr lang="en-US" dirty="0"/>
+            <a:r>
+              <a:rPr lang="en-US" sz="1100" dirty="0"/>
+              <a:t>Car Accident Data From 48 States</a:t>
+            </a:r>
+          </a:p>
+          <a:p>
+            <a:pPr>
+              <a:lnSpc>
+                <a:spcPct val="200000"/>
+              </a:lnSpc>
+            </a:pPr>
+            <a:r>
+              <a:rPr lang="en-US" sz="1100" dirty="0"/>
+              <a:t>Data Fed From Two Sources Using APIs</a:t>
+            </a:r>
+          </a:p>
+          <a:p>
+            <a:pPr>
+              <a:lnSpc>
+                <a:spcPct val="200000"/>
+              </a:lnSpc>
+            </a:pPr>
+            <a:r>
+              <a:rPr lang="en-US" sz="1100" dirty="0"/>
+              <a:t>Timeframe: February 2016 to December 2020</a:t>
+            </a:r>
+          </a:p>
+          <a:p>
+            <a:pPr>
+              <a:lnSpc>
+                <a:spcPct val="200000"/>
+              </a:lnSpc>
+            </a:pPr>
+            <a:r>
+              <a:rPr lang="en-US" sz="1100" dirty="0"/>
+              <a:t>Lines Of Data: 4.1 Million</a:t>
+            </a:r>
+          </a:p>
+          <a:p>
+            <a:pPr>
+              <a:lnSpc>
+                <a:spcPct val="200000"/>
+              </a:lnSpc>
+            </a:pPr>
+            <a:r>
+              <a:rPr lang="en-US" sz="1100" dirty="0"/>
+              <a:t>File Size: 1.5GB</a:t>
+            </a:r>
           </a:p>
         </p:txBody>
       </p:sp>
@@ -7794,7 +8116,7 @@
           <p:cNvPr id="6" name="Content Placeholder 2">
             <a:extLst>
               <a:ext uri="{FF2B5EF4-FFF2-40B4-BE49-F238E27FC236}">
-                <a16:creationId xmlns:a16="http://schemas.microsoft.com/office/drawing/2014/main" id="{C8B8B983-6123-44AC-BFBE-54ED44E39B6B}"/>
+                <a16:creationId xmlns:a16="http://schemas.microsoft.com/office/drawing/2014/main" id="{432D3B12-575D-4517-8633-B15F6B70F0CA}"/>
               </a:ext>
             </a:extLst>
           </p:cNvPr>
@@ -7805,8 +8127,8 @@
         </p:nvSpPr>
         <p:spPr>
           <a:xfrm>
-            <a:off x="677334" y="1941119"/>
-            <a:ext cx="8961616" cy="3594441"/>
+            <a:off x="677334" y="3699115"/>
+            <a:ext cx="8596668" cy="1865943"/>
           </a:xfrm>
           <a:prstGeom prst="rect">
             <a:avLst/>
@@ -7814,7 +8136,7 @@
         </p:spPr>
         <p:txBody>
           <a:bodyPr vert="horz" lIns="91440" tIns="45720" rIns="91440" bIns="45720" rtlCol="0">
-            <a:normAutofit fontScale="62500" lnSpcReduction="20000"/>
+            <a:noAutofit/>
           </a:bodyPr>
           <a:lstStyle>
             <a:lvl1pPr marL="342900" indent="-342900" algn="l" defTabSz="457200" rtl="0" eaLnBrk="1" latinLnBrk="0" hangingPunct="1">
@@ -8050,7 +8372,7 @@
               </a:lnSpc>
             </a:pPr>
             <a:r>
-              <a:rPr lang="en-US" sz="1600" dirty="0"/>
+              <a:rPr lang="en-US" sz="1100" dirty="0"/>
               <a:t>Robust dataset combining weather conditions, location, impact on traffic flow</a:t>
             </a:r>
           </a:p>
@@ -8061,7 +8383,7 @@
               </a:lnSpc>
             </a:pPr>
             <a:r>
-              <a:rPr lang="en-US" sz="1400" dirty="0"/>
+              <a:rPr lang="en-US" sz="1100" dirty="0"/>
               <a:t>Each accident ranked according to severity – defined as impact on traffic flow</a:t>
             </a:r>
           </a:p>
@@ -8083,74 +8405,8 @@
               </a:lnSpc>
             </a:pPr>
             <a:r>
-              <a:rPr lang="en-US" sz="1050" dirty="0"/>
+              <a:rPr lang="en-US" sz="1100" dirty="0"/>
               <a:t>1 = minor impact on traffic flow, 4 = most severe impact on traffic flow</a:t>
-            </a:r>
-          </a:p>
-          <a:p>
-            <a:pPr>
-              <a:lnSpc>
-                <a:spcPct val="200000"/>
-              </a:lnSpc>
-            </a:pPr>
-            <a:r>
-              <a:rPr lang="en-US" sz="1600" dirty="0"/>
-              <a:t>Understanding why car accidents happen is important</a:t>
-            </a:r>
-          </a:p>
-          <a:p>
-            <a:pPr lvl="1">
-              <a:lnSpc>
-                <a:spcPct val="200000"/>
-              </a:lnSpc>
-            </a:pPr>
-            <a:r>
-              <a:rPr lang="en-US" sz="1400" dirty="0"/>
-              <a:t>Questions to consider:</a:t>
-            </a:r>
-          </a:p>
-          <a:p>
-            <a:pPr lvl="2">
-              <a:lnSpc>
-                <a:spcPct val="200000"/>
-              </a:lnSpc>
-            </a:pPr>
-            <a:r>
-              <a:rPr lang="en-US" sz="1200" dirty="0"/>
-              <a:t>Which divisions seem to be most dangerous based on severity score?</a:t>
-            </a:r>
-          </a:p>
-          <a:p>
-            <a:pPr lvl="2">
-              <a:lnSpc>
-                <a:spcPct val="200000"/>
-              </a:lnSpc>
-            </a:pPr>
-            <a:r>
-              <a:rPr lang="en-US" sz="1200" dirty="0"/>
-              <a:t>Was there any change between 2019 and 2020 in terms of which divisions seem to be most dangerous?</a:t>
-            </a:r>
-          </a:p>
-          <a:p>
-            <a:pPr lvl="2">
-              <a:lnSpc>
-                <a:spcPct val="200000"/>
-              </a:lnSpc>
-            </a:pPr>
-            <a:r>
-              <a:rPr lang="en-US" sz="1200" dirty="0"/>
-              <a:t>Are there relationships between weather and severity?</a:t>
-            </a:r>
-          </a:p>
-          <a:p>
-            <a:pPr>
-              <a:lnSpc>
-                <a:spcPct val="200000"/>
-              </a:lnSpc>
-            </a:pPr>
-            <a:r>
-              <a:rPr lang="en-US" sz="1600" dirty="0"/>
-              <a:t>Numerous applications to impact society in a positive manner</a:t>
             </a:r>
           </a:p>
         </p:txBody>
@@ -8158,7 +8414,7 @@
     </p:spTree>
     <p:extLst>
       <p:ext uri="{BB962C8B-B14F-4D97-AF65-F5344CB8AC3E}">
-        <p14:creationId xmlns:p14="http://schemas.microsoft.com/office/powerpoint/2010/main" val="1383876425"/>
+        <p14:creationId xmlns:p14="http://schemas.microsoft.com/office/powerpoint/2010/main" val="1564470390"/>
       </p:ext>
     </p:extLst>
   </p:cSld>
@@ -8540,7 +8796,7 @@
         </p:spPr>
         <p:txBody>
           <a:bodyPr vert="horz" lIns="91440" tIns="45720" rIns="91440" bIns="45720" rtlCol="0">
-            <a:normAutofit fontScale="92500" lnSpcReduction="20000"/>
+            <a:normAutofit/>
           </a:bodyPr>
           <a:lstStyle>
             <a:lvl1pPr marL="342900" indent="-342900" algn="l" defTabSz="457200" rtl="0" eaLnBrk="1" latinLnBrk="0" hangingPunct="1">
@@ -8776,7 +9032,7 @@
               </a:lnSpc>
             </a:pPr>
             <a:r>
-              <a:rPr lang="en-US" dirty="0"/>
+              <a:rPr lang="en-US" sz="1400" dirty="0"/>
               <a:t>Initial set: 4.1 million rows x 49 columns</a:t>
             </a:r>
           </a:p>
@@ -8787,7 +9043,7 @@
               </a:lnSpc>
             </a:pPr>
             <a:r>
-              <a:rPr lang="en-US" dirty="0"/>
+              <a:rPr lang="en-US" sz="1400" dirty="0"/>
               <a:t>TOO LARGE TO IMPORT!</a:t>
             </a:r>
           </a:p>
@@ -8798,7 +9054,7 @@
               </a:lnSpc>
             </a:pPr>
             <a:r>
-              <a:rPr lang="en-US" dirty="0"/>
+              <a:rPr lang="en-US" sz="1400" dirty="0"/>
               <a:t>Steps Taken To Clean Data:</a:t>
             </a:r>
           </a:p>
@@ -8809,7 +9065,7 @@
               </a:lnSpc>
             </a:pPr>
             <a:r>
-              <a:rPr lang="en-US" dirty="0"/>
+              <a:rPr lang="en-US" sz="1400" dirty="0"/>
               <a:t>Filter by year</a:t>
             </a:r>
           </a:p>
@@ -8820,7 +9076,7 @@
               </a:lnSpc>
             </a:pPr>
             <a:r>
-              <a:rPr lang="en-US" dirty="0"/>
+              <a:rPr lang="en-US" sz="1400" dirty="0"/>
               <a:t>Drop null and NA values</a:t>
             </a:r>
           </a:p>
@@ -8831,7 +9087,7 @@
               </a:lnSpc>
             </a:pPr>
             <a:r>
-              <a:rPr lang="en-US" dirty="0"/>
+              <a:rPr lang="en-US" sz="1400" dirty="0"/>
               <a:t>Layer in census divisions to further categorize data</a:t>
             </a:r>
           </a:p>
@@ -8842,7 +9098,7 @@
               </a:lnSpc>
             </a:pPr>
             <a:r>
-              <a:rPr lang="en-US" dirty="0"/>
+              <a:rPr lang="en-US" sz="1400" dirty="0"/>
               <a:t>Combine with driver counts by state to analyze further</a:t>
             </a:r>
           </a:p>
@@ -8853,7 +9109,7 @@
               </a:lnSpc>
             </a:pPr>
             <a:r>
-              <a:rPr lang="en-US" dirty="0"/>
+              <a:rPr lang="en-US" sz="1400" dirty="0"/>
               <a:t>Save by year and region for uploading and easier sampling</a:t>
             </a:r>
           </a:p>
@@ -8863,7 +9119,7 @@
                 <a:spcPct val="200000"/>
               </a:lnSpc>
             </a:pPr>
-            <a:endParaRPr lang="en-US" dirty="0"/>
+            <a:endParaRPr lang="en-US" sz="1400" dirty="0"/>
           </a:p>
         </p:txBody>
       </p:sp>
@@ -9239,7 +9495,7 @@
         </p:nvSpPr>
         <p:spPr>
           <a:xfrm>
-            <a:off x="1329949" y="3401570"/>
+            <a:off x="1329949" y="3503170"/>
             <a:ext cx="6834241" cy="424169"/>
           </a:xfrm>
           <a:prstGeom prst="rect">
@@ -9572,7 +9828,7 @@
         </p:nvSpPr>
         <p:spPr>
           <a:xfrm>
-            <a:off x="1224350" y="5935331"/>
+            <a:off x="1224348" y="6228012"/>
             <a:ext cx="7045441" cy="362015"/>
           </a:xfrm>
           <a:prstGeom prst="rect">
@@ -9823,6 +10079,588 @@
           </a:p>
         </p:txBody>
       </p:sp>
+      <p:grpSp>
+        <p:nvGrpSpPr>
+          <p:cNvPr id="32" name="Group 31">
+            <a:extLst>
+              <a:ext uri="{FF2B5EF4-FFF2-40B4-BE49-F238E27FC236}">
+                <a16:creationId xmlns:a16="http://schemas.microsoft.com/office/drawing/2014/main" id="{36C700C5-735F-42F7-930D-E3E8814D6C99}"/>
+              </a:ext>
+            </a:extLst>
+          </p:cNvPr>
+          <p:cNvGrpSpPr/>
+          <p:nvPr/>
+        </p:nvGrpSpPr>
+        <p:grpSpPr>
+          <a:xfrm>
+            <a:off x="1613278" y="3197475"/>
+            <a:ext cx="6304870" cy="350748"/>
+            <a:chOff x="1625978" y="3197475"/>
+            <a:chExt cx="6304870" cy="350748"/>
+          </a:xfrm>
+        </p:grpSpPr>
+        <p:pic>
+          <p:nvPicPr>
+            <p:cNvPr id="13" name="Picture 12">
+              <a:extLst>
+                <a:ext uri="{FF2B5EF4-FFF2-40B4-BE49-F238E27FC236}">
+                  <a16:creationId xmlns:a16="http://schemas.microsoft.com/office/drawing/2014/main" id="{8DE0FCBD-221F-42E5-B5EF-5215B8F9CD56}"/>
+                </a:ext>
+              </a:extLst>
+            </p:cNvPr>
+            <p:cNvPicPr>
+              <a:picLocks noChangeAspect="1"/>
+            </p:cNvPicPr>
+            <p:nvPr/>
+          </p:nvPicPr>
+          <p:blipFill>
+            <a:blip r:embed="rId5"/>
+            <a:stretch>
+              <a:fillRect/>
+            </a:stretch>
+          </p:blipFill>
+          <p:spPr>
+            <a:xfrm>
+              <a:off x="1625978" y="3204680"/>
+              <a:ext cx="500429" cy="196890"/>
+            </a:xfrm>
+            <a:prstGeom prst="rect">
+              <a:avLst/>
+            </a:prstGeom>
+          </p:spPr>
+        </p:pic>
+        <p:pic>
+          <p:nvPicPr>
+            <p:cNvPr id="15" name="Picture 14">
+              <a:extLst>
+                <a:ext uri="{FF2B5EF4-FFF2-40B4-BE49-F238E27FC236}">
+                  <a16:creationId xmlns:a16="http://schemas.microsoft.com/office/drawing/2014/main" id="{06280052-30F2-4E21-869A-5F45337E7652}"/>
+                </a:ext>
+              </a:extLst>
+            </p:cNvPr>
+            <p:cNvPicPr>
+              <a:picLocks noChangeAspect="1"/>
+            </p:cNvPicPr>
+            <p:nvPr/>
+          </p:nvPicPr>
+          <p:blipFill>
+            <a:blip r:embed="rId6"/>
+            <a:stretch>
+              <a:fillRect/>
+            </a:stretch>
+          </p:blipFill>
+          <p:spPr>
+            <a:xfrm>
+              <a:off x="2265383" y="3204680"/>
+              <a:ext cx="652615" cy="223046"/>
+            </a:xfrm>
+            <a:prstGeom prst="rect">
+              <a:avLst/>
+            </a:prstGeom>
+          </p:spPr>
+        </p:pic>
+        <p:pic>
+          <p:nvPicPr>
+            <p:cNvPr id="17" name="Picture 16">
+              <a:extLst>
+                <a:ext uri="{FF2B5EF4-FFF2-40B4-BE49-F238E27FC236}">
+                  <a16:creationId xmlns:a16="http://schemas.microsoft.com/office/drawing/2014/main" id="{0DEA7EF7-F7D1-4CA2-85FE-70E58EB5C60F}"/>
+                </a:ext>
+              </a:extLst>
+            </p:cNvPr>
+            <p:cNvPicPr>
+              <a:picLocks noChangeAspect="1"/>
+            </p:cNvPicPr>
+            <p:nvPr/>
+          </p:nvPicPr>
+          <p:blipFill>
+            <a:blip r:embed="rId7"/>
+            <a:stretch>
+              <a:fillRect/>
+            </a:stretch>
+          </p:blipFill>
+          <p:spPr>
+            <a:xfrm>
+              <a:off x="3035644" y="3197475"/>
+              <a:ext cx="652615" cy="326308"/>
+            </a:xfrm>
+            <a:prstGeom prst="rect">
+              <a:avLst/>
+            </a:prstGeom>
+          </p:spPr>
+        </p:pic>
+        <p:pic>
+          <p:nvPicPr>
+            <p:cNvPr id="19" name="Picture 18">
+              <a:extLst>
+                <a:ext uri="{FF2B5EF4-FFF2-40B4-BE49-F238E27FC236}">
+                  <a16:creationId xmlns:a16="http://schemas.microsoft.com/office/drawing/2014/main" id="{360CB6A6-B1E5-4EE9-AE31-ECD95C187FC0}"/>
+                </a:ext>
+              </a:extLst>
+            </p:cNvPr>
+            <p:cNvPicPr>
+              <a:picLocks noChangeAspect="1"/>
+            </p:cNvPicPr>
+            <p:nvPr/>
+          </p:nvPicPr>
+          <p:blipFill>
+            <a:blip r:embed="rId8"/>
+            <a:stretch>
+              <a:fillRect/>
+            </a:stretch>
+          </p:blipFill>
+          <p:spPr>
+            <a:xfrm>
+              <a:off x="3776944" y="3204680"/>
+              <a:ext cx="608438" cy="290069"/>
+            </a:xfrm>
+            <a:prstGeom prst="rect">
+              <a:avLst/>
+            </a:prstGeom>
+          </p:spPr>
+        </p:pic>
+        <p:pic>
+          <p:nvPicPr>
+            <p:cNvPr id="21" name="Picture 20">
+              <a:extLst>
+                <a:ext uri="{FF2B5EF4-FFF2-40B4-BE49-F238E27FC236}">
+                  <a16:creationId xmlns:a16="http://schemas.microsoft.com/office/drawing/2014/main" id="{4B716AA0-3721-495B-880C-4679806B76CE}"/>
+                </a:ext>
+              </a:extLst>
+            </p:cNvPr>
+            <p:cNvPicPr>
+              <a:picLocks noChangeAspect="1"/>
+            </p:cNvPicPr>
+            <p:nvPr/>
+          </p:nvPicPr>
+          <p:blipFill>
+            <a:blip r:embed="rId9"/>
+            <a:stretch>
+              <a:fillRect/>
+            </a:stretch>
+          </p:blipFill>
+          <p:spPr>
+            <a:xfrm>
+              <a:off x="4520340" y="3204680"/>
+              <a:ext cx="568760" cy="298599"/>
+            </a:xfrm>
+            <a:prstGeom prst="rect">
+              <a:avLst/>
+            </a:prstGeom>
+          </p:spPr>
+        </p:pic>
+        <p:pic>
+          <p:nvPicPr>
+            <p:cNvPr id="23" name="Picture 22">
+              <a:extLst>
+                <a:ext uri="{FF2B5EF4-FFF2-40B4-BE49-F238E27FC236}">
+                  <a16:creationId xmlns:a16="http://schemas.microsoft.com/office/drawing/2014/main" id="{C851B65D-F876-43C1-B573-78FAF142E8FF}"/>
+                </a:ext>
+              </a:extLst>
+            </p:cNvPr>
+            <p:cNvPicPr>
+              <a:picLocks noChangeAspect="1"/>
+            </p:cNvPicPr>
+            <p:nvPr/>
+          </p:nvPicPr>
+          <p:blipFill>
+            <a:blip r:embed="rId10"/>
+            <a:stretch>
+              <a:fillRect/>
+            </a:stretch>
+          </p:blipFill>
+          <p:spPr>
+            <a:xfrm>
+              <a:off x="5927373" y="3204680"/>
+              <a:ext cx="667036" cy="181919"/>
+            </a:xfrm>
+            <a:prstGeom prst="rect">
+              <a:avLst/>
+            </a:prstGeom>
+          </p:spPr>
+        </p:pic>
+        <p:pic>
+          <p:nvPicPr>
+            <p:cNvPr id="25" name="Picture 24">
+              <a:extLst>
+                <a:ext uri="{FF2B5EF4-FFF2-40B4-BE49-F238E27FC236}">
+                  <a16:creationId xmlns:a16="http://schemas.microsoft.com/office/drawing/2014/main" id="{ACC1BF04-F921-4E55-BFF0-86867E708411}"/>
+                </a:ext>
+              </a:extLst>
+            </p:cNvPr>
+            <p:cNvPicPr>
+              <a:picLocks noChangeAspect="1"/>
+            </p:cNvPicPr>
+            <p:nvPr/>
+          </p:nvPicPr>
+          <p:blipFill>
+            <a:blip r:embed="rId11"/>
+            <a:stretch>
+              <a:fillRect/>
+            </a:stretch>
+          </p:blipFill>
+          <p:spPr>
+            <a:xfrm>
+              <a:off x="5228076" y="3209000"/>
+              <a:ext cx="568760" cy="306255"/>
+            </a:xfrm>
+            <a:prstGeom prst="rect">
+              <a:avLst/>
+            </a:prstGeom>
+          </p:spPr>
+        </p:pic>
+        <p:pic>
+          <p:nvPicPr>
+            <p:cNvPr id="29" name="Picture 28">
+              <a:extLst>
+                <a:ext uri="{FF2B5EF4-FFF2-40B4-BE49-F238E27FC236}">
+                  <a16:creationId xmlns:a16="http://schemas.microsoft.com/office/drawing/2014/main" id="{52D1580E-64EE-496D-8385-9CD54AC92044}"/>
+                </a:ext>
+              </a:extLst>
+            </p:cNvPr>
+            <p:cNvPicPr>
+              <a:picLocks noChangeAspect="1"/>
+            </p:cNvPicPr>
+            <p:nvPr/>
+          </p:nvPicPr>
+          <p:blipFill>
+            <a:blip r:embed="rId12"/>
+            <a:stretch>
+              <a:fillRect/>
+            </a:stretch>
+          </p:blipFill>
+          <p:spPr>
+            <a:xfrm>
+              <a:off x="6734910" y="3206922"/>
+              <a:ext cx="463275" cy="321937"/>
+            </a:xfrm>
+            <a:prstGeom prst="rect">
+              <a:avLst/>
+            </a:prstGeom>
+          </p:spPr>
+        </p:pic>
+        <p:pic>
+          <p:nvPicPr>
+            <p:cNvPr id="31" name="Picture 30">
+              <a:extLst>
+                <a:ext uri="{FF2B5EF4-FFF2-40B4-BE49-F238E27FC236}">
+                  <a16:creationId xmlns:a16="http://schemas.microsoft.com/office/drawing/2014/main" id="{693F11AC-9DE0-4397-ADBE-A14E5B24CE87}"/>
+                </a:ext>
+              </a:extLst>
+            </p:cNvPr>
+            <p:cNvPicPr>
+              <a:picLocks noChangeAspect="1"/>
+            </p:cNvPicPr>
+            <p:nvPr/>
+          </p:nvPicPr>
+          <p:blipFill>
+            <a:blip r:embed="rId13"/>
+            <a:stretch>
+              <a:fillRect/>
+            </a:stretch>
+          </p:blipFill>
+          <p:spPr>
+            <a:xfrm>
+              <a:off x="7460428" y="3202759"/>
+              <a:ext cx="470420" cy="345464"/>
+            </a:xfrm>
+            <a:prstGeom prst="rect">
+              <a:avLst/>
+            </a:prstGeom>
+          </p:spPr>
+        </p:pic>
+      </p:grpSp>
+      <p:grpSp>
+        <p:nvGrpSpPr>
+          <p:cNvPr id="33" name="Group 32">
+            <a:extLst>
+              <a:ext uri="{FF2B5EF4-FFF2-40B4-BE49-F238E27FC236}">
+                <a16:creationId xmlns:a16="http://schemas.microsoft.com/office/drawing/2014/main" id="{1A9BC005-B045-4E3E-953D-A4BA5C4FF067}"/>
+              </a:ext>
+            </a:extLst>
+          </p:cNvPr>
+          <p:cNvGrpSpPr/>
+          <p:nvPr/>
+        </p:nvGrpSpPr>
+        <p:grpSpPr>
+          <a:xfrm>
+            <a:off x="1574506" y="5851864"/>
+            <a:ext cx="6304870" cy="350748"/>
+            <a:chOff x="1625978" y="3197475"/>
+            <a:chExt cx="6304870" cy="350748"/>
+          </a:xfrm>
+        </p:grpSpPr>
+        <p:pic>
+          <p:nvPicPr>
+            <p:cNvPr id="34" name="Picture 33">
+              <a:extLst>
+                <a:ext uri="{FF2B5EF4-FFF2-40B4-BE49-F238E27FC236}">
+                  <a16:creationId xmlns:a16="http://schemas.microsoft.com/office/drawing/2014/main" id="{A6147EE0-F1A5-4B16-995D-857A8BFC25E6}"/>
+                </a:ext>
+              </a:extLst>
+            </p:cNvPr>
+            <p:cNvPicPr>
+              <a:picLocks noChangeAspect="1"/>
+            </p:cNvPicPr>
+            <p:nvPr/>
+          </p:nvPicPr>
+          <p:blipFill>
+            <a:blip r:embed="rId5"/>
+            <a:stretch>
+              <a:fillRect/>
+            </a:stretch>
+          </p:blipFill>
+          <p:spPr>
+            <a:xfrm>
+              <a:off x="1625978" y="3204680"/>
+              <a:ext cx="500429" cy="196890"/>
+            </a:xfrm>
+            <a:prstGeom prst="rect">
+              <a:avLst/>
+            </a:prstGeom>
+          </p:spPr>
+        </p:pic>
+        <p:pic>
+          <p:nvPicPr>
+            <p:cNvPr id="35" name="Picture 34">
+              <a:extLst>
+                <a:ext uri="{FF2B5EF4-FFF2-40B4-BE49-F238E27FC236}">
+                  <a16:creationId xmlns:a16="http://schemas.microsoft.com/office/drawing/2014/main" id="{9E6DD75E-F8A9-4776-99C2-BA01A7402644}"/>
+                </a:ext>
+              </a:extLst>
+            </p:cNvPr>
+            <p:cNvPicPr>
+              <a:picLocks noChangeAspect="1"/>
+            </p:cNvPicPr>
+            <p:nvPr/>
+          </p:nvPicPr>
+          <p:blipFill>
+            <a:blip r:embed="rId6"/>
+            <a:stretch>
+              <a:fillRect/>
+            </a:stretch>
+          </p:blipFill>
+          <p:spPr>
+            <a:xfrm>
+              <a:off x="2265383" y="3204680"/>
+              <a:ext cx="652615" cy="223046"/>
+            </a:xfrm>
+            <a:prstGeom prst="rect">
+              <a:avLst/>
+            </a:prstGeom>
+          </p:spPr>
+        </p:pic>
+        <p:pic>
+          <p:nvPicPr>
+            <p:cNvPr id="36" name="Picture 35">
+              <a:extLst>
+                <a:ext uri="{FF2B5EF4-FFF2-40B4-BE49-F238E27FC236}">
+                  <a16:creationId xmlns:a16="http://schemas.microsoft.com/office/drawing/2014/main" id="{81898212-C943-47BA-98CC-8894DA9B43B2}"/>
+                </a:ext>
+              </a:extLst>
+            </p:cNvPr>
+            <p:cNvPicPr>
+              <a:picLocks noChangeAspect="1"/>
+            </p:cNvPicPr>
+            <p:nvPr/>
+          </p:nvPicPr>
+          <p:blipFill>
+            <a:blip r:embed="rId7"/>
+            <a:stretch>
+              <a:fillRect/>
+            </a:stretch>
+          </p:blipFill>
+          <p:spPr>
+            <a:xfrm>
+              <a:off x="3035644" y="3197475"/>
+              <a:ext cx="652615" cy="326308"/>
+            </a:xfrm>
+            <a:prstGeom prst="rect">
+              <a:avLst/>
+            </a:prstGeom>
+          </p:spPr>
+        </p:pic>
+        <p:pic>
+          <p:nvPicPr>
+            <p:cNvPr id="37" name="Picture 36">
+              <a:extLst>
+                <a:ext uri="{FF2B5EF4-FFF2-40B4-BE49-F238E27FC236}">
+                  <a16:creationId xmlns:a16="http://schemas.microsoft.com/office/drawing/2014/main" id="{E7ECC110-DC96-46F8-9BC8-0FE221FD947C}"/>
+                </a:ext>
+              </a:extLst>
+            </p:cNvPr>
+            <p:cNvPicPr>
+              <a:picLocks noChangeAspect="1"/>
+            </p:cNvPicPr>
+            <p:nvPr/>
+          </p:nvPicPr>
+          <p:blipFill>
+            <a:blip r:embed="rId8"/>
+            <a:stretch>
+              <a:fillRect/>
+            </a:stretch>
+          </p:blipFill>
+          <p:spPr>
+            <a:xfrm>
+              <a:off x="3776944" y="3204680"/>
+              <a:ext cx="608438" cy="290069"/>
+            </a:xfrm>
+            <a:prstGeom prst="rect">
+              <a:avLst/>
+            </a:prstGeom>
+          </p:spPr>
+        </p:pic>
+        <p:pic>
+          <p:nvPicPr>
+            <p:cNvPr id="38" name="Picture 37">
+              <a:extLst>
+                <a:ext uri="{FF2B5EF4-FFF2-40B4-BE49-F238E27FC236}">
+                  <a16:creationId xmlns:a16="http://schemas.microsoft.com/office/drawing/2014/main" id="{7EB993B9-709F-4F18-B9A1-58AF56897EB8}"/>
+                </a:ext>
+              </a:extLst>
+            </p:cNvPr>
+            <p:cNvPicPr>
+              <a:picLocks noChangeAspect="1"/>
+            </p:cNvPicPr>
+            <p:nvPr/>
+          </p:nvPicPr>
+          <p:blipFill>
+            <a:blip r:embed="rId9"/>
+            <a:stretch>
+              <a:fillRect/>
+            </a:stretch>
+          </p:blipFill>
+          <p:spPr>
+            <a:xfrm>
+              <a:off x="4520340" y="3204680"/>
+              <a:ext cx="568760" cy="298599"/>
+            </a:xfrm>
+            <a:prstGeom prst="rect">
+              <a:avLst/>
+            </a:prstGeom>
+          </p:spPr>
+        </p:pic>
+        <p:pic>
+          <p:nvPicPr>
+            <p:cNvPr id="39" name="Picture 38">
+              <a:extLst>
+                <a:ext uri="{FF2B5EF4-FFF2-40B4-BE49-F238E27FC236}">
+                  <a16:creationId xmlns:a16="http://schemas.microsoft.com/office/drawing/2014/main" id="{A3D3EB27-F7B5-4F6D-9C5B-EF21CDEBA7B4}"/>
+                </a:ext>
+              </a:extLst>
+            </p:cNvPr>
+            <p:cNvPicPr>
+              <a:picLocks noChangeAspect="1"/>
+            </p:cNvPicPr>
+            <p:nvPr/>
+          </p:nvPicPr>
+          <p:blipFill>
+            <a:blip r:embed="rId10"/>
+            <a:stretch>
+              <a:fillRect/>
+            </a:stretch>
+          </p:blipFill>
+          <p:spPr>
+            <a:xfrm>
+              <a:off x="5927373" y="3204680"/>
+              <a:ext cx="667036" cy="181919"/>
+            </a:xfrm>
+            <a:prstGeom prst="rect">
+              <a:avLst/>
+            </a:prstGeom>
+          </p:spPr>
+        </p:pic>
+        <p:pic>
+          <p:nvPicPr>
+            <p:cNvPr id="40" name="Picture 39">
+              <a:extLst>
+                <a:ext uri="{FF2B5EF4-FFF2-40B4-BE49-F238E27FC236}">
+                  <a16:creationId xmlns:a16="http://schemas.microsoft.com/office/drawing/2014/main" id="{B8655AC7-8DC4-4E04-AFC7-B54DBE5D2D0F}"/>
+                </a:ext>
+              </a:extLst>
+            </p:cNvPr>
+            <p:cNvPicPr>
+              <a:picLocks noChangeAspect="1"/>
+            </p:cNvPicPr>
+            <p:nvPr/>
+          </p:nvPicPr>
+          <p:blipFill>
+            <a:blip r:embed="rId11"/>
+            <a:stretch>
+              <a:fillRect/>
+            </a:stretch>
+          </p:blipFill>
+          <p:spPr>
+            <a:xfrm>
+              <a:off x="5228076" y="3209000"/>
+              <a:ext cx="568760" cy="306255"/>
+            </a:xfrm>
+            <a:prstGeom prst="rect">
+              <a:avLst/>
+            </a:prstGeom>
+          </p:spPr>
+        </p:pic>
+        <p:pic>
+          <p:nvPicPr>
+            <p:cNvPr id="41" name="Picture 40">
+              <a:extLst>
+                <a:ext uri="{FF2B5EF4-FFF2-40B4-BE49-F238E27FC236}">
+                  <a16:creationId xmlns:a16="http://schemas.microsoft.com/office/drawing/2014/main" id="{EEE2E7BA-2D43-4BAB-A132-F661DA781E14}"/>
+                </a:ext>
+              </a:extLst>
+            </p:cNvPr>
+            <p:cNvPicPr>
+              <a:picLocks noChangeAspect="1"/>
+            </p:cNvPicPr>
+            <p:nvPr/>
+          </p:nvPicPr>
+          <p:blipFill>
+            <a:blip r:embed="rId12"/>
+            <a:stretch>
+              <a:fillRect/>
+            </a:stretch>
+          </p:blipFill>
+          <p:spPr>
+            <a:xfrm>
+              <a:off x="6734910" y="3206922"/>
+              <a:ext cx="463275" cy="321937"/>
+            </a:xfrm>
+            <a:prstGeom prst="rect">
+              <a:avLst/>
+            </a:prstGeom>
+          </p:spPr>
+        </p:pic>
+        <p:pic>
+          <p:nvPicPr>
+            <p:cNvPr id="42" name="Picture 41">
+              <a:extLst>
+                <a:ext uri="{FF2B5EF4-FFF2-40B4-BE49-F238E27FC236}">
+                  <a16:creationId xmlns:a16="http://schemas.microsoft.com/office/drawing/2014/main" id="{8C7A5B60-7A4B-464A-B88D-B298428ED9A0}"/>
+                </a:ext>
+              </a:extLst>
+            </p:cNvPr>
+            <p:cNvPicPr>
+              <a:picLocks noChangeAspect="1"/>
+            </p:cNvPicPr>
+            <p:nvPr/>
+          </p:nvPicPr>
+          <p:blipFill>
+            <a:blip r:embed="rId13"/>
+            <a:stretch>
+              <a:fillRect/>
+            </a:stretch>
+          </p:blipFill>
+          <p:spPr>
+            <a:xfrm>
+              <a:off x="7460428" y="3202759"/>
+              <a:ext cx="470420" cy="345464"/>
+            </a:xfrm>
+            <a:prstGeom prst="rect">
+              <a:avLst/>
+            </a:prstGeom>
+          </p:spPr>
+        </p:pic>
+      </p:grpSp>
     </p:spTree>
     <p:extLst>
       <p:ext uri="{BB962C8B-B14F-4D97-AF65-F5344CB8AC3E}">
@@ -10147,273 +10985,6 @@
               <a:buNone/>
             </a:pPr>
             <a:endParaRPr lang="en-US" dirty="0"/>
-          </a:p>
-        </p:txBody>
-      </p:sp>
-      <p:sp>
-        <p:nvSpPr>
-          <p:cNvPr id="6" name="Content Placeholder 2">
-            <a:extLst>
-              <a:ext uri="{FF2B5EF4-FFF2-40B4-BE49-F238E27FC236}">
-                <a16:creationId xmlns:a16="http://schemas.microsoft.com/office/drawing/2014/main" id="{C8B8B983-6123-44AC-BFBE-54ED44E39B6B}"/>
-              </a:ext>
-            </a:extLst>
-          </p:cNvPr>
-          <p:cNvSpPr txBox="1">
-            <a:spLocks/>
-          </p:cNvSpPr>
-          <p:nvPr/>
-        </p:nvSpPr>
-        <p:spPr>
-          <a:xfrm>
-            <a:off x="1015316" y="3260200"/>
-            <a:ext cx="6834241" cy="396739"/>
-          </a:xfrm>
-          <a:prstGeom prst="rect">
-            <a:avLst/>
-          </a:prstGeom>
-        </p:spPr>
-        <p:txBody>
-          <a:bodyPr vert="horz" lIns="91440" tIns="45720" rIns="91440" bIns="45720" rtlCol="0">
-            <a:normAutofit/>
-          </a:bodyPr>
-          <a:lstStyle>
-            <a:lvl1pPr marL="342900" indent="-342900" algn="l" defTabSz="457200" rtl="0" eaLnBrk="1" latinLnBrk="0" hangingPunct="1">
-              <a:spcBef>
-                <a:spcPts val="1000"/>
-              </a:spcBef>
-              <a:spcAft>
-                <a:spcPts val="0"/>
-              </a:spcAft>
-              <a:buClr>
-                <a:schemeClr val="accent1"/>
-              </a:buClr>
-              <a:buSzPct val="80000"/>
-              <a:buFont typeface="Wingdings 3" charset="2"/>
-              <a:buChar char=""/>
-              <a:defRPr sz="1800" kern="1200">
-                <a:solidFill>
-                  <a:schemeClr val="tx1">
-                    <a:lumMod val="75000"/>
-                    <a:lumOff val="25000"/>
-                  </a:schemeClr>
-                </a:solidFill>
-                <a:latin typeface="+mn-lt"/>
-                <a:ea typeface="+mn-ea"/>
-                <a:cs typeface="+mn-cs"/>
-              </a:defRPr>
-            </a:lvl1pPr>
-            <a:lvl2pPr marL="742950" indent="-285750" algn="l" defTabSz="457200" rtl="0" eaLnBrk="1" latinLnBrk="0" hangingPunct="1">
-              <a:spcBef>
-                <a:spcPts val="1000"/>
-              </a:spcBef>
-              <a:spcAft>
-                <a:spcPts val="0"/>
-              </a:spcAft>
-              <a:buClr>
-                <a:schemeClr val="accent1"/>
-              </a:buClr>
-              <a:buSzPct val="80000"/>
-              <a:buFont typeface="Wingdings 3" charset="2"/>
-              <a:buChar char=""/>
-              <a:defRPr sz="1600" kern="1200">
-                <a:solidFill>
-                  <a:schemeClr val="tx1">
-                    <a:lumMod val="75000"/>
-                    <a:lumOff val="25000"/>
-                  </a:schemeClr>
-                </a:solidFill>
-                <a:latin typeface="+mn-lt"/>
-                <a:ea typeface="+mn-ea"/>
-                <a:cs typeface="+mn-cs"/>
-              </a:defRPr>
-            </a:lvl2pPr>
-            <a:lvl3pPr marL="1143000" indent="-228600" algn="l" defTabSz="457200" rtl="0" eaLnBrk="1" latinLnBrk="0" hangingPunct="1">
-              <a:spcBef>
-                <a:spcPts val="1000"/>
-              </a:spcBef>
-              <a:spcAft>
-                <a:spcPts val="0"/>
-              </a:spcAft>
-              <a:buClr>
-                <a:schemeClr val="accent1"/>
-              </a:buClr>
-              <a:buSzPct val="80000"/>
-              <a:buFont typeface="Wingdings 3" charset="2"/>
-              <a:buChar char=""/>
-              <a:defRPr sz="1400" kern="1200">
-                <a:solidFill>
-                  <a:schemeClr val="tx1">
-                    <a:lumMod val="75000"/>
-                    <a:lumOff val="25000"/>
-                  </a:schemeClr>
-                </a:solidFill>
-                <a:latin typeface="+mn-lt"/>
-                <a:ea typeface="+mn-ea"/>
-                <a:cs typeface="+mn-cs"/>
-              </a:defRPr>
-            </a:lvl3pPr>
-            <a:lvl4pPr marL="1600200" indent="-228600" algn="l" defTabSz="457200" rtl="0" eaLnBrk="1" latinLnBrk="0" hangingPunct="1">
-              <a:spcBef>
-                <a:spcPts val="1000"/>
-              </a:spcBef>
-              <a:spcAft>
-                <a:spcPts val="0"/>
-              </a:spcAft>
-              <a:buClr>
-                <a:schemeClr val="accent1"/>
-              </a:buClr>
-              <a:buSzPct val="80000"/>
-              <a:buFont typeface="Wingdings 3" charset="2"/>
-              <a:buChar char=""/>
-              <a:defRPr sz="1200" kern="1200">
-                <a:solidFill>
-                  <a:schemeClr val="tx1">
-                    <a:lumMod val="75000"/>
-                    <a:lumOff val="25000"/>
-                  </a:schemeClr>
-                </a:solidFill>
-                <a:latin typeface="+mn-lt"/>
-                <a:ea typeface="+mn-ea"/>
-                <a:cs typeface="+mn-cs"/>
-              </a:defRPr>
-            </a:lvl4pPr>
-            <a:lvl5pPr marL="2057400" indent="-228600" algn="l" defTabSz="457200" rtl="0" eaLnBrk="1" latinLnBrk="0" hangingPunct="1">
-              <a:spcBef>
-                <a:spcPts val="1000"/>
-              </a:spcBef>
-              <a:spcAft>
-                <a:spcPts val="0"/>
-              </a:spcAft>
-              <a:buClr>
-                <a:schemeClr val="accent1"/>
-              </a:buClr>
-              <a:buSzPct val="80000"/>
-              <a:buFont typeface="Wingdings 3" charset="2"/>
-              <a:buChar char=""/>
-              <a:defRPr sz="1200" kern="1200">
-                <a:solidFill>
-                  <a:schemeClr val="tx1">
-                    <a:lumMod val="75000"/>
-                    <a:lumOff val="25000"/>
-                  </a:schemeClr>
-                </a:solidFill>
-                <a:latin typeface="+mn-lt"/>
-                <a:ea typeface="+mn-ea"/>
-                <a:cs typeface="+mn-cs"/>
-              </a:defRPr>
-            </a:lvl5pPr>
-            <a:lvl6pPr marL="2514600" indent="-228600" algn="l" defTabSz="457200" rtl="0" eaLnBrk="1" latinLnBrk="0" hangingPunct="1">
-              <a:spcBef>
-                <a:spcPts val="1000"/>
-              </a:spcBef>
-              <a:spcAft>
-                <a:spcPts val="0"/>
-              </a:spcAft>
-              <a:buClr>
-                <a:schemeClr val="accent1"/>
-              </a:buClr>
-              <a:buSzPct val="80000"/>
-              <a:buFont typeface="Wingdings 3" charset="2"/>
-              <a:buChar char=""/>
-              <a:defRPr sz="1200" kern="1200">
-                <a:solidFill>
-                  <a:schemeClr val="tx1">
-                    <a:lumMod val="75000"/>
-                    <a:lumOff val="25000"/>
-                  </a:schemeClr>
-                </a:solidFill>
-                <a:latin typeface="+mn-lt"/>
-                <a:ea typeface="+mn-ea"/>
-                <a:cs typeface="+mn-cs"/>
-              </a:defRPr>
-            </a:lvl6pPr>
-            <a:lvl7pPr marL="2971800" indent="-228600" algn="l" defTabSz="457200" rtl="0" eaLnBrk="1" latinLnBrk="0" hangingPunct="1">
-              <a:spcBef>
-                <a:spcPts val="1000"/>
-              </a:spcBef>
-              <a:spcAft>
-                <a:spcPts val="0"/>
-              </a:spcAft>
-              <a:buClr>
-                <a:schemeClr val="accent1"/>
-              </a:buClr>
-              <a:buSzPct val="80000"/>
-              <a:buFont typeface="Wingdings 3" charset="2"/>
-              <a:buChar char=""/>
-              <a:defRPr sz="1200" kern="1200">
-                <a:solidFill>
-                  <a:schemeClr val="tx1">
-                    <a:lumMod val="75000"/>
-                    <a:lumOff val="25000"/>
-                  </a:schemeClr>
-                </a:solidFill>
-                <a:latin typeface="+mn-lt"/>
-                <a:ea typeface="+mn-ea"/>
-                <a:cs typeface="+mn-cs"/>
-              </a:defRPr>
-            </a:lvl7pPr>
-            <a:lvl8pPr marL="3429000" indent="-228600" algn="l" defTabSz="457200" rtl="0" eaLnBrk="1" latinLnBrk="0" hangingPunct="1">
-              <a:spcBef>
-                <a:spcPts val="1000"/>
-              </a:spcBef>
-              <a:spcAft>
-                <a:spcPts val="0"/>
-              </a:spcAft>
-              <a:buClr>
-                <a:schemeClr val="accent1"/>
-              </a:buClr>
-              <a:buSzPct val="80000"/>
-              <a:buFont typeface="Wingdings 3" charset="2"/>
-              <a:buChar char=""/>
-              <a:defRPr sz="1200" kern="1200">
-                <a:solidFill>
-                  <a:schemeClr val="tx1">
-                    <a:lumMod val="75000"/>
-                    <a:lumOff val="25000"/>
-                  </a:schemeClr>
-                </a:solidFill>
-                <a:latin typeface="+mn-lt"/>
-                <a:ea typeface="+mn-ea"/>
-                <a:cs typeface="+mn-cs"/>
-              </a:defRPr>
-            </a:lvl8pPr>
-            <a:lvl9pPr marL="3886200" indent="-228600" algn="l" defTabSz="457200" rtl="0" eaLnBrk="1" latinLnBrk="0" hangingPunct="1">
-              <a:spcBef>
-                <a:spcPts val="1000"/>
-              </a:spcBef>
-              <a:spcAft>
-                <a:spcPts val="0"/>
-              </a:spcAft>
-              <a:buClr>
-                <a:schemeClr val="accent1"/>
-              </a:buClr>
-              <a:buSzPct val="80000"/>
-              <a:buFont typeface="Wingdings 3" charset="2"/>
-              <a:buChar char=""/>
-              <a:defRPr sz="1200" kern="1200">
-                <a:solidFill>
-                  <a:schemeClr val="tx1">
-                    <a:lumMod val="75000"/>
-                    <a:lumOff val="25000"/>
-                  </a:schemeClr>
-                </a:solidFill>
-                <a:latin typeface="+mn-lt"/>
-                <a:ea typeface="+mn-ea"/>
-                <a:cs typeface="+mn-cs"/>
-              </a:defRPr>
-            </a:lvl9pPr>
-          </a:lstStyle>
-          <a:p>
-            <a:pPr>
-              <a:lnSpc>
-                <a:spcPct val="200000"/>
-              </a:lnSpc>
-            </a:pPr>
-            <a:r>
-              <a:rPr lang="en-US" sz="1100" dirty="0"/>
-              <a:t>2019: New England Region has the most 4 severity accidents</a:t>
-            </a:r>
           </a:p>
         </p:txBody>
       </p:sp>
@@ -10537,6 +11108,546 @@
           </a:p>
         </p:txBody>
       </p:sp>
+      <p:pic>
+        <p:nvPicPr>
+          <p:cNvPr id="11" name="Picture 10">
+            <a:extLst>
+              <a:ext uri="{FF2B5EF4-FFF2-40B4-BE49-F238E27FC236}">
+                <a16:creationId xmlns:a16="http://schemas.microsoft.com/office/drawing/2014/main" id="{28682321-CAAE-4B08-86A3-6DD0DE9A051A}"/>
+              </a:ext>
+            </a:extLst>
+          </p:cNvPr>
+          <p:cNvPicPr>
+            <a:picLocks noChangeAspect="1"/>
+          </p:cNvPicPr>
+          <p:nvPr/>
+        </p:nvPicPr>
+        <p:blipFill>
+          <a:blip r:embed="rId5"/>
+          <a:stretch>
+            <a:fillRect/>
+          </a:stretch>
+        </p:blipFill>
+        <p:spPr>
+          <a:xfrm>
+            <a:off x="1103707" y="3121414"/>
+            <a:ext cx="500429" cy="196890"/>
+          </a:xfrm>
+          <a:prstGeom prst="rect">
+            <a:avLst/>
+          </a:prstGeom>
+        </p:spPr>
+      </p:pic>
+      <p:pic>
+        <p:nvPicPr>
+          <p:cNvPr id="12" name="Picture 11">
+            <a:extLst>
+              <a:ext uri="{FF2B5EF4-FFF2-40B4-BE49-F238E27FC236}">
+                <a16:creationId xmlns:a16="http://schemas.microsoft.com/office/drawing/2014/main" id="{8BF772B5-DC3C-44E7-95F2-B7D02E9AA17D}"/>
+              </a:ext>
+            </a:extLst>
+          </p:cNvPr>
+          <p:cNvPicPr>
+            <a:picLocks noChangeAspect="1"/>
+          </p:cNvPicPr>
+          <p:nvPr/>
+        </p:nvPicPr>
+        <p:blipFill>
+          <a:blip r:embed="rId6"/>
+          <a:stretch>
+            <a:fillRect/>
+          </a:stretch>
+        </p:blipFill>
+        <p:spPr>
+          <a:xfrm>
+            <a:off x="1874573" y="3134946"/>
+            <a:ext cx="652615" cy="223046"/>
+          </a:xfrm>
+          <a:prstGeom prst="rect">
+            <a:avLst/>
+          </a:prstGeom>
+        </p:spPr>
+      </p:pic>
+      <p:pic>
+        <p:nvPicPr>
+          <p:cNvPr id="13" name="Picture 12">
+            <a:extLst>
+              <a:ext uri="{FF2B5EF4-FFF2-40B4-BE49-F238E27FC236}">
+                <a16:creationId xmlns:a16="http://schemas.microsoft.com/office/drawing/2014/main" id="{E58FD78F-99A7-4809-BA0D-D87EE02EE376}"/>
+              </a:ext>
+            </a:extLst>
+          </p:cNvPr>
+          <p:cNvPicPr>
+            <a:picLocks noChangeAspect="1"/>
+          </p:cNvPicPr>
+          <p:nvPr/>
+        </p:nvPicPr>
+        <p:blipFill>
+          <a:blip r:embed="rId7"/>
+          <a:stretch>
+            <a:fillRect/>
+          </a:stretch>
+        </p:blipFill>
+        <p:spPr>
+          <a:xfrm>
+            <a:off x="2824663" y="3142450"/>
+            <a:ext cx="652615" cy="326308"/>
+          </a:xfrm>
+          <a:prstGeom prst="rect">
+            <a:avLst/>
+          </a:prstGeom>
+        </p:spPr>
+      </p:pic>
+      <p:pic>
+        <p:nvPicPr>
+          <p:cNvPr id="14" name="Picture 13">
+            <a:extLst>
+              <a:ext uri="{FF2B5EF4-FFF2-40B4-BE49-F238E27FC236}">
+                <a16:creationId xmlns:a16="http://schemas.microsoft.com/office/drawing/2014/main" id="{78A4051E-151E-484B-80A6-CB454C777EA5}"/>
+              </a:ext>
+            </a:extLst>
+          </p:cNvPr>
+          <p:cNvPicPr>
+            <a:picLocks noChangeAspect="1"/>
+          </p:cNvPicPr>
+          <p:nvPr/>
+        </p:nvPicPr>
+        <p:blipFill>
+          <a:blip r:embed="rId8"/>
+          <a:stretch>
+            <a:fillRect/>
+          </a:stretch>
+        </p:blipFill>
+        <p:spPr>
+          <a:xfrm>
+            <a:off x="3720418" y="3133201"/>
+            <a:ext cx="608438" cy="290069"/>
+          </a:xfrm>
+          <a:prstGeom prst="rect">
+            <a:avLst/>
+          </a:prstGeom>
+        </p:spPr>
+      </p:pic>
+      <p:pic>
+        <p:nvPicPr>
+          <p:cNvPr id="15" name="Picture 14">
+            <a:extLst>
+              <a:ext uri="{FF2B5EF4-FFF2-40B4-BE49-F238E27FC236}">
+                <a16:creationId xmlns:a16="http://schemas.microsoft.com/office/drawing/2014/main" id="{DB759F02-534A-4342-BBF2-BF72D61AE890}"/>
+              </a:ext>
+            </a:extLst>
+          </p:cNvPr>
+          <p:cNvPicPr>
+            <a:picLocks noChangeAspect="1"/>
+          </p:cNvPicPr>
+          <p:nvPr/>
+        </p:nvPicPr>
+        <p:blipFill>
+          <a:blip r:embed="rId9"/>
+          <a:stretch>
+            <a:fillRect/>
+          </a:stretch>
+        </p:blipFill>
+        <p:spPr>
+          <a:xfrm>
+            <a:off x="4668730" y="3122897"/>
+            <a:ext cx="568760" cy="298599"/>
+          </a:xfrm>
+          <a:prstGeom prst="rect">
+            <a:avLst/>
+          </a:prstGeom>
+        </p:spPr>
+      </p:pic>
+      <p:pic>
+        <p:nvPicPr>
+          <p:cNvPr id="16" name="Picture 15">
+            <a:extLst>
+              <a:ext uri="{FF2B5EF4-FFF2-40B4-BE49-F238E27FC236}">
+                <a16:creationId xmlns:a16="http://schemas.microsoft.com/office/drawing/2014/main" id="{37630EC1-268A-49D0-B7CE-7ACA3149FC40}"/>
+              </a:ext>
+            </a:extLst>
+          </p:cNvPr>
+          <p:cNvPicPr>
+            <a:picLocks noChangeAspect="1"/>
+          </p:cNvPicPr>
+          <p:nvPr/>
+        </p:nvPicPr>
+        <p:blipFill>
+          <a:blip r:embed="rId10"/>
+          <a:stretch>
+            <a:fillRect/>
+          </a:stretch>
+        </p:blipFill>
+        <p:spPr>
+          <a:xfrm>
+            <a:off x="6372425" y="3134937"/>
+            <a:ext cx="667036" cy="181919"/>
+          </a:xfrm>
+          <a:prstGeom prst="rect">
+            <a:avLst/>
+          </a:prstGeom>
+        </p:spPr>
+      </p:pic>
+      <p:pic>
+        <p:nvPicPr>
+          <p:cNvPr id="17" name="Picture 16">
+            <a:extLst>
+              <a:ext uri="{FF2B5EF4-FFF2-40B4-BE49-F238E27FC236}">
+                <a16:creationId xmlns:a16="http://schemas.microsoft.com/office/drawing/2014/main" id="{46266305-E601-42B8-951E-0F19E4785592}"/>
+              </a:ext>
+            </a:extLst>
+          </p:cNvPr>
+          <p:cNvPicPr>
+            <a:picLocks noChangeAspect="1"/>
+          </p:cNvPicPr>
+          <p:nvPr/>
+        </p:nvPicPr>
+        <p:blipFill>
+          <a:blip r:embed="rId11"/>
+          <a:stretch>
+            <a:fillRect/>
+          </a:stretch>
+        </p:blipFill>
+        <p:spPr>
+          <a:xfrm>
+            <a:off x="5563300" y="3134137"/>
+            <a:ext cx="568760" cy="306255"/>
+          </a:xfrm>
+          <a:prstGeom prst="rect">
+            <a:avLst/>
+          </a:prstGeom>
+        </p:spPr>
+      </p:pic>
+      <p:pic>
+        <p:nvPicPr>
+          <p:cNvPr id="18" name="Picture 17">
+            <a:extLst>
+              <a:ext uri="{FF2B5EF4-FFF2-40B4-BE49-F238E27FC236}">
+                <a16:creationId xmlns:a16="http://schemas.microsoft.com/office/drawing/2014/main" id="{5106994E-4C32-4EB8-8BC3-6F6CD6DF2F44}"/>
+              </a:ext>
+            </a:extLst>
+          </p:cNvPr>
+          <p:cNvPicPr>
+            <a:picLocks noChangeAspect="1"/>
+          </p:cNvPicPr>
+          <p:nvPr/>
+        </p:nvPicPr>
+        <p:blipFill>
+          <a:blip r:embed="rId12"/>
+          <a:stretch>
+            <a:fillRect/>
+          </a:stretch>
+        </p:blipFill>
+        <p:spPr>
+          <a:xfrm>
+            <a:off x="7420247" y="3136598"/>
+            <a:ext cx="463275" cy="321937"/>
+          </a:xfrm>
+          <a:prstGeom prst="rect">
+            <a:avLst/>
+          </a:prstGeom>
+        </p:spPr>
+      </p:pic>
+      <p:pic>
+        <p:nvPicPr>
+          <p:cNvPr id="19" name="Picture 18">
+            <a:extLst>
+              <a:ext uri="{FF2B5EF4-FFF2-40B4-BE49-F238E27FC236}">
+                <a16:creationId xmlns:a16="http://schemas.microsoft.com/office/drawing/2014/main" id="{445BE268-48CF-4666-BD9C-D984305B47B6}"/>
+              </a:ext>
+            </a:extLst>
+          </p:cNvPr>
+          <p:cNvPicPr>
+            <a:picLocks noChangeAspect="1"/>
+          </p:cNvPicPr>
+          <p:nvPr/>
+        </p:nvPicPr>
+        <p:blipFill>
+          <a:blip r:embed="rId13"/>
+          <a:stretch>
+            <a:fillRect/>
+          </a:stretch>
+        </p:blipFill>
+        <p:spPr>
+          <a:xfrm>
+            <a:off x="8278837" y="3145572"/>
+            <a:ext cx="470420" cy="345464"/>
+          </a:xfrm>
+          <a:prstGeom prst="rect">
+            <a:avLst/>
+          </a:prstGeom>
+        </p:spPr>
+      </p:pic>
+      <p:pic>
+        <p:nvPicPr>
+          <p:cNvPr id="20" name="Picture 19">
+            <a:extLst>
+              <a:ext uri="{FF2B5EF4-FFF2-40B4-BE49-F238E27FC236}">
+                <a16:creationId xmlns:a16="http://schemas.microsoft.com/office/drawing/2014/main" id="{2B986ADE-B6DB-4B91-998D-9518A30BAF5A}"/>
+              </a:ext>
+            </a:extLst>
+          </p:cNvPr>
+          <p:cNvPicPr>
+            <a:picLocks noChangeAspect="1"/>
+          </p:cNvPicPr>
+          <p:nvPr/>
+        </p:nvPicPr>
+        <p:blipFill>
+          <a:blip r:embed="rId5"/>
+          <a:stretch>
+            <a:fillRect/>
+          </a:stretch>
+        </p:blipFill>
+        <p:spPr>
+          <a:xfrm>
+            <a:off x="1129107" y="5887324"/>
+            <a:ext cx="500429" cy="196890"/>
+          </a:xfrm>
+          <a:prstGeom prst="rect">
+            <a:avLst/>
+          </a:prstGeom>
+        </p:spPr>
+      </p:pic>
+      <p:pic>
+        <p:nvPicPr>
+          <p:cNvPr id="21" name="Picture 20">
+            <a:extLst>
+              <a:ext uri="{FF2B5EF4-FFF2-40B4-BE49-F238E27FC236}">
+                <a16:creationId xmlns:a16="http://schemas.microsoft.com/office/drawing/2014/main" id="{28839D4A-829E-45F1-8158-0F0E2BC532D7}"/>
+              </a:ext>
+            </a:extLst>
+          </p:cNvPr>
+          <p:cNvPicPr>
+            <a:picLocks noChangeAspect="1"/>
+          </p:cNvPicPr>
+          <p:nvPr/>
+        </p:nvPicPr>
+        <p:blipFill>
+          <a:blip r:embed="rId6"/>
+          <a:stretch>
+            <a:fillRect/>
+          </a:stretch>
+        </p:blipFill>
+        <p:spPr>
+          <a:xfrm>
+            <a:off x="1938073" y="5875456"/>
+            <a:ext cx="652615" cy="223046"/>
+          </a:xfrm>
+          <a:prstGeom prst="rect">
+            <a:avLst/>
+          </a:prstGeom>
+        </p:spPr>
+      </p:pic>
+      <p:pic>
+        <p:nvPicPr>
+          <p:cNvPr id="22" name="Picture 21">
+            <a:extLst>
+              <a:ext uri="{FF2B5EF4-FFF2-40B4-BE49-F238E27FC236}">
+                <a16:creationId xmlns:a16="http://schemas.microsoft.com/office/drawing/2014/main" id="{A53A49DA-FD2E-404B-B319-20D7D3167B49}"/>
+              </a:ext>
+            </a:extLst>
+          </p:cNvPr>
+          <p:cNvPicPr>
+            <a:picLocks noChangeAspect="1"/>
+          </p:cNvPicPr>
+          <p:nvPr/>
+        </p:nvPicPr>
+        <p:blipFill>
+          <a:blip r:embed="rId7"/>
+          <a:stretch>
+            <a:fillRect/>
+          </a:stretch>
+        </p:blipFill>
+        <p:spPr>
+          <a:xfrm>
+            <a:off x="2824663" y="5895660"/>
+            <a:ext cx="652615" cy="326308"/>
+          </a:xfrm>
+          <a:prstGeom prst="rect">
+            <a:avLst/>
+          </a:prstGeom>
+        </p:spPr>
+      </p:pic>
+      <p:pic>
+        <p:nvPicPr>
+          <p:cNvPr id="23" name="Picture 22">
+            <a:extLst>
+              <a:ext uri="{FF2B5EF4-FFF2-40B4-BE49-F238E27FC236}">
+                <a16:creationId xmlns:a16="http://schemas.microsoft.com/office/drawing/2014/main" id="{9DA90F2F-26B0-4099-AA8E-F59D27343958}"/>
+              </a:ext>
+            </a:extLst>
+          </p:cNvPr>
+          <p:cNvPicPr>
+            <a:picLocks noChangeAspect="1"/>
+          </p:cNvPicPr>
+          <p:nvPr/>
+        </p:nvPicPr>
+        <p:blipFill>
+          <a:blip r:embed="rId8"/>
+          <a:stretch>
+            <a:fillRect/>
+          </a:stretch>
+        </p:blipFill>
+        <p:spPr>
+          <a:xfrm>
+            <a:off x="3745818" y="5899111"/>
+            <a:ext cx="608438" cy="290069"/>
+          </a:xfrm>
+          <a:prstGeom prst="rect">
+            <a:avLst/>
+          </a:prstGeom>
+        </p:spPr>
+      </p:pic>
+      <p:pic>
+        <p:nvPicPr>
+          <p:cNvPr id="24" name="Picture 23">
+            <a:extLst>
+              <a:ext uri="{FF2B5EF4-FFF2-40B4-BE49-F238E27FC236}">
+                <a16:creationId xmlns:a16="http://schemas.microsoft.com/office/drawing/2014/main" id="{DAF67974-683A-438E-9B89-9D3D5B8C1E58}"/>
+              </a:ext>
+            </a:extLst>
+          </p:cNvPr>
+          <p:cNvPicPr>
+            <a:picLocks noChangeAspect="1"/>
+          </p:cNvPicPr>
+          <p:nvPr/>
+        </p:nvPicPr>
+        <p:blipFill>
+          <a:blip r:embed="rId9"/>
+          <a:stretch>
+            <a:fillRect/>
+          </a:stretch>
+        </p:blipFill>
+        <p:spPr>
+          <a:xfrm>
+            <a:off x="4668730" y="5901507"/>
+            <a:ext cx="568760" cy="298599"/>
+          </a:xfrm>
+          <a:prstGeom prst="rect">
+            <a:avLst/>
+          </a:prstGeom>
+        </p:spPr>
+      </p:pic>
+      <p:pic>
+        <p:nvPicPr>
+          <p:cNvPr id="25" name="Picture 24">
+            <a:extLst>
+              <a:ext uri="{FF2B5EF4-FFF2-40B4-BE49-F238E27FC236}">
+                <a16:creationId xmlns:a16="http://schemas.microsoft.com/office/drawing/2014/main" id="{1FEA351C-9B29-4A6B-8D3F-C098143E24F4}"/>
+              </a:ext>
+            </a:extLst>
+          </p:cNvPr>
+          <p:cNvPicPr>
+            <a:picLocks noChangeAspect="1"/>
+          </p:cNvPicPr>
+          <p:nvPr/>
+        </p:nvPicPr>
+        <p:blipFill>
+          <a:blip r:embed="rId10"/>
+          <a:stretch>
+            <a:fillRect/>
+          </a:stretch>
+        </p:blipFill>
+        <p:spPr>
+          <a:xfrm>
+            <a:off x="6423225" y="5888147"/>
+            <a:ext cx="667036" cy="181919"/>
+          </a:xfrm>
+          <a:prstGeom prst="rect">
+            <a:avLst/>
+          </a:prstGeom>
+        </p:spPr>
+      </p:pic>
+      <p:pic>
+        <p:nvPicPr>
+          <p:cNvPr id="26" name="Picture 25">
+            <a:extLst>
+              <a:ext uri="{FF2B5EF4-FFF2-40B4-BE49-F238E27FC236}">
+                <a16:creationId xmlns:a16="http://schemas.microsoft.com/office/drawing/2014/main" id="{564EA81D-8FF0-4F6B-8ADA-DD4B3B17D1C4}"/>
+              </a:ext>
+            </a:extLst>
+          </p:cNvPr>
+          <p:cNvPicPr>
+            <a:picLocks noChangeAspect="1"/>
+          </p:cNvPicPr>
+          <p:nvPr/>
+        </p:nvPicPr>
+        <p:blipFill>
+          <a:blip r:embed="rId11"/>
+          <a:stretch>
+            <a:fillRect/>
+          </a:stretch>
+        </p:blipFill>
+        <p:spPr>
+          <a:xfrm>
+            <a:off x="5576000" y="5887347"/>
+            <a:ext cx="568760" cy="306255"/>
+          </a:xfrm>
+          <a:prstGeom prst="rect">
+            <a:avLst/>
+          </a:prstGeom>
+        </p:spPr>
+      </p:pic>
+      <p:pic>
+        <p:nvPicPr>
+          <p:cNvPr id="27" name="Picture 26">
+            <a:extLst>
+              <a:ext uri="{FF2B5EF4-FFF2-40B4-BE49-F238E27FC236}">
+                <a16:creationId xmlns:a16="http://schemas.microsoft.com/office/drawing/2014/main" id="{AB795409-4274-48CF-AA50-3D1EA019AF6F}"/>
+              </a:ext>
+            </a:extLst>
+          </p:cNvPr>
+          <p:cNvPicPr>
+            <a:picLocks noChangeAspect="1"/>
+          </p:cNvPicPr>
+          <p:nvPr/>
+        </p:nvPicPr>
+        <p:blipFill>
+          <a:blip r:embed="rId12"/>
+          <a:stretch>
+            <a:fillRect/>
+          </a:stretch>
+        </p:blipFill>
+        <p:spPr>
+          <a:xfrm>
+            <a:off x="7420247" y="5902508"/>
+            <a:ext cx="463275" cy="321937"/>
+          </a:xfrm>
+          <a:prstGeom prst="rect">
+            <a:avLst/>
+          </a:prstGeom>
+        </p:spPr>
+      </p:pic>
+      <p:pic>
+        <p:nvPicPr>
+          <p:cNvPr id="28" name="Picture 27">
+            <a:extLst>
+              <a:ext uri="{FF2B5EF4-FFF2-40B4-BE49-F238E27FC236}">
+                <a16:creationId xmlns:a16="http://schemas.microsoft.com/office/drawing/2014/main" id="{96E8ACC4-02DB-46DD-9C71-5B6A5DC9FA3B}"/>
+              </a:ext>
+            </a:extLst>
+          </p:cNvPr>
+          <p:cNvPicPr>
+            <a:picLocks noChangeAspect="1"/>
+          </p:cNvPicPr>
+          <p:nvPr/>
+        </p:nvPicPr>
+        <p:blipFill>
+          <a:blip r:embed="rId13"/>
+          <a:stretch>
+            <a:fillRect/>
+          </a:stretch>
+        </p:blipFill>
+        <p:spPr>
+          <a:xfrm>
+            <a:off x="8304237" y="5898782"/>
+            <a:ext cx="470420" cy="345464"/>
+          </a:xfrm>
+          <a:prstGeom prst="rect">
+            <a:avLst/>
+          </a:prstGeom>
+        </p:spPr>
+      </p:pic>
     </p:spTree>
     <p:extLst>
       <p:ext uri="{BB962C8B-B14F-4D97-AF65-F5344CB8AC3E}">
